--- a/sprint_task_board_toontank.pptx
+++ b/sprint_task_board_toontank.pptx
@@ -260,7 +260,7 @@
           <a:p>
             <a:fld id="{B6341FFD-5D10-463C-B7CE-F9E5B3035469}" type="datetimeFigureOut">
               <a:rPr lang="en-US" smtClean="0"/>
-              <a:t>10/6/2020</a:t>
+              <a:t>10/15/2020</a:t>
             </a:fld>
             <a:endParaRPr lang="en-US"/>
           </a:p>
@@ -458,7 +458,7 @@
           <a:p>
             <a:fld id="{B6341FFD-5D10-463C-B7CE-F9E5B3035469}" type="datetimeFigureOut">
               <a:rPr lang="en-US" smtClean="0"/>
-              <a:t>10/6/2020</a:t>
+              <a:t>10/15/2020</a:t>
             </a:fld>
             <a:endParaRPr lang="en-US"/>
           </a:p>
@@ -666,7 +666,7 @@
           <a:p>
             <a:fld id="{B6341FFD-5D10-463C-B7CE-F9E5B3035469}" type="datetimeFigureOut">
               <a:rPr lang="en-US" smtClean="0"/>
-              <a:t>10/6/2020</a:t>
+              <a:t>10/15/2020</a:t>
             </a:fld>
             <a:endParaRPr lang="en-US"/>
           </a:p>
@@ -864,7 +864,7 @@
           <a:p>
             <a:fld id="{B6341FFD-5D10-463C-B7CE-F9E5B3035469}" type="datetimeFigureOut">
               <a:rPr lang="en-US" smtClean="0"/>
-              <a:t>10/6/2020</a:t>
+              <a:t>10/15/2020</a:t>
             </a:fld>
             <a:endParaRPr lang="en-US"/>
           </a:p>
@@ -1139,7 +1139,7 @@
           <a:p>
             <a:fld id="{B6341FFD-5D10-463C-B7CE-F9E5B3035469}" type="datetimeFigureOut">
               <a:rPr lang="en-US" smtClean="0"/>
-              <a:t>10/6/2020</a:t>
+              <a:t>10/15/2020</a:t>
             </a:fld>
             <a:endParaRPr lang="en-US"/>
           </a:p>
@@ -1404,7 +1404,7 @@
           <a:p>
             <a:fld id="{B6341FFD-5D10-463C-B7CE-F9E5B3035469}" type="datetimeFigureOut">
               <a:rPr lang="en-US" smtClean="0"/>
-              <a:t>10/6/2020</a:t>
+              <a:t>10/15/2020</a:t>
             </a:fld>
             <a:endParaRPr lang="en-US"/>
           </a:p>
@@ -1816,7 +1816,7 @@
           <a:p>
             <a:fld id="{B6341FFD-5D10-463C-B7CE-F9E5B3035469}" type="datetimeFigureOut">
               <a:rPr lang="en-US" smtClean="0"/>
-              <a:t>10/6/2020</a:t>
+              <a:t>10/15/2020</a:t>
             </a:fld>
             <a:endParaRPr lang="en-US"/>
           </a:p>
@@ -1957,7 +1957,7 @@
           <a:p>
             <a:fld id="{B6341FFD-5D10-463C-B7CE-F9E5B3035469}" type="datetimeFigureOut">
               <a:rPr lang="en-US" smtClean="0"/>
-              <a:t>10/6/2020</a:t>
+              <a:t>10/15/2020</a:t>
             </a:fld>
             <a:endParaRPr lang="en-US"/>
           </a:p>
@@ -2070,7 +2070,7 @@
           <a:p>
             <a:fld id="{B6341FFD-5D10-463C-B7CE-F9E5B3035469}" type="datetimeFigureOut">
               <a:rPr lang="en-US" smtClean="0"/>
-              <a:t>10/6/2020</a:t>
+              <a:t>10/15/2020</a:t>
             </a:fld>
             <a:endParaRPr lang="en-US"/>
           </a:p>
@@ -2381,7 +2381,7 @@
           <a:p>
             <a:fld id="{B6341FFD-5D10-463C-B7CE-F9E5B3035469}" type="datetimeFigureOut">
               <a:rPr lang="en-US" smtClean="0"/>
-              <a:t>10/6/2020</a:t>
+              <a:t>10/15/2020</a:t>
             </a:fld>
             <a:endParaRPr lang="en-US"/>
           </a:p>
@@ -2669,7 +2669,7 @@
           <a:p>
             <a:fld id="{B6341FFD-5D10-463C-B7CE-F9E5B3035469}" type="datetimeFigureOut">
               <a:rPr lang="en-US" smtClean="0"/>
-              <a:t>10/6/2020</a:t>
+              <a:t>10/15/2020</a:t>
             </a:fld>
             <a:endParaRPr lang="en-US"/>
           </a:p>
@@ -2910,7 +2910,7 @@
           <a:p>
             <a:fld id="{B6341FFD-5D10-463C-B7CE-F9E5B3035469}" type="datetimeFigureOut">
               <a:rPr lang="en-US" smtClean="0"/>
-              <a:t>10/6/2020</a:t>
+              <a:t>10/15/2020</a:t>
             </a:fld>
             <a:endParaRPr lang="en-US"/>
           </a:p>
@@ -3421,7 +3421,7 @@
         </p:nvSpPr>
         <p:spPr>
           <a:xfrm>
-            <a:off x="6850770" y="4038706"/>
+            <a:off x="10564554" y="4033434"/>
             <a:ext cx="1093927" cy="499722"/>
           </a:xfrm>
           <a:prstGeom prst="rect">
@@ -3463,7 +3463,7 @@
                   <a:schemeClr val="bg1"/>
                 </a:solidFill>
               </a:rPr>
-              <a:t>#2: </a:t>
+              <a:t>#1: </a:t>
             </a:r>
             <a:r>
               <a:rPr lang="en-US" sz="800" dirty="0">
@@ -3479,23 +3479,7 @@
                   <a:schemeClr val="bg1"/>
                 </a:solidFill>
               </a:rPr>
-              <a:t>(</a:t>
-            </a:r>
-            <a:r>
-              <a:rPr lang="en-US" sz="800" dirty="0" smtClean="0">
-                <a:solidFill>
-                  <a:schemeClr val="bg1"/>
-                </a:solidFill>
-              </a:rPr>
-              <a:t>PW</a:t>
-            </a:r>
-            <a:r>
-              <a:rPr lang="en-US" sz="800" dirty="0" smtClean="0">
-                <a:solidFill>
-                  <a:schemeClr val="bg1"/>
-                </a:solidFill>
-              </a:rPr>
-              <a:t>)</a:t>
+              <a:t>(PW)</a:t>
             </a:r>
             <a:endParaRPr lang="en-US" dirty="0"/>
           </a:p>
@@ -3515,7 +3499,7 @@
         </p:nvSpPr>
         <p:spPr>
           <a:xfrm>
-            <a:off x="3835310" y="3410209"/>
+            <a:off x="10564554" y="3354156"/>
             <a:ext cx="1093927" cy="499722"/>
           </a:xfrm>
           <a:prstGeom prst="rect">
@@ -3573,23 +3557,7 @@
                   <a:schemeClr val="bg1"/>
                 </a:solidFill>
               </a:rPr>
-              <a:t>(</a:t>
-            </a:r>
-            <a:r>
-              <a:rPr lang="en-US" sz="800" dirty="0" smtClean="0">
-                <a:solidFill>
-                  <a:schemeClr val="bg1"/>
-                </a:solidFill>
-              </a:rPr>
-              <a:t>PW</a:t>
-            </a:r>
-            <a:r>
-              <a:rPr lang="en-US" sz="800" dirty="0" smtClean="0">
-                <a:solidFill>
-                  <a:schemeClr val="bg1"/>
-                </a:solidFill>
-              </a:rPr>
-              <a:t>)</a:t>
+              <a:t>(PW)</a:t>
             </a:r>
             <a:endParaRPr lang="en-US" dirty="0"/>
           </a:p>
@@ -3609,7 +3577,7 @@
         </p:nvSpPr>
         <p:spPr>
           <a:xfrm>
-            <a:off x="5192324" y="3394808"/>
+            <a:off x="7014161" y="3313556"/>
             <a:ext cx="1093927" cy="499722"/>
           </a:xfrm>
           <a:prstGeom prst="rect">
@@ -3667,23 +3635,7 @@
                   <a:schemeClr val="bg1"/>
                 </a:solidFill>
               </a:rPr>
-              <a:t>(</a:t>
-            </a:r>
-            <a:r>
-              <a:rPr lang="en-US" sz="800" dirty="0" smtClean="0">
-                <a:solidFill>
-                  <a:schemeClr val="bg1"/>
-                </a:solidFill>
-              </a:rPr>
-              <a:t>PW</a:t>
-            </a:r>
-            <a:r>
-              <a:rPr lang="en-US" sz="800" dirty="0" smtClean="0">
-                <a:solidFill>
-                  <a:schemeClr val="bg1"/>
-                </a:solidFill>
-              </a:rPr>
-              <a:t>)</a:t>
+              <a:t>(PW)</a:t>
             </a:r>
             <a:endParaRPr lang="en-US" dirty="0"/>
           </a:p>
@@ -3761,15 +3713,7 @@
                   <a:schemeClr val="bg1"/>
                 </a:solidFill>
               </a:rPr>
-              <a:t>(</a:t>
-            </a:r>
-            <a:r>
-              <a:rPr lang="en-US" sz="800" dirty="0" smtClean="0">
-                <a:solidFill>
-                  <a:schemeClr val="bg1"/>
-                </a:solidFill>
-              </a:rPr>
-              <a:t>PW)</a:t>
+              <a:t>(PW)</a:t>
             </a:r>
             <a:endParaRPr lang="en-US" dirty="0"/>
           </a:p>
@@ -3777,82 +3721,20 @@
       </p:sp>
       <p:sp>
         <p:nvSpPr>
-          <p:cNvPr id="23" name="Rectangle 22">
-            <a:extLst>
-              <a:ext uri="{FF2B5EF4-FFF2-40B4-BE49-F238E27FC236}">
-                <a16:creationId xmlns:a16="http://schemas.microsoft.com/office/drawing/2014/main" xmlns="" id="{F0CB5917-D9C5-4F78-B41A-F70D3EFFCF26}"/>
-              </a:ext>
-            </a:extLst>
-          </p:cNvPr>
-          <p:cNvSpPr/>
+          <p:cNvPr id="4" name="TextBox 3">
+            <a:extLst>
+              <a:ext uri="{FF2B5EF4-FFF2-40B4-BE49-F238E27FC236}">
+                <a16:creationId xmlns:a16="http://schemas.microsoft.com/office/drawing/2014/main" xmlns="" id="{77AFE952-47A5-42E2-A2EC-FF7ABEA49A89}"/>
+              </a:ext>
+            </a:extLst>
+          </p:cNvPr>
+          <p:cNvSpPr txBox="1"/>
           <p:nvPr/>
         </p:nvSpPr>
         <p:spPr>
           <a:xfrm>
-            <a:off x="6850771" y="3458388"/>
-            <a:ext cx="1093927" cy="499722"/>
-          </a:xfrm>
-          <a:prstGeom prst="rect">
-            <a:avLst/>
-          </a:prstGeom>
-        </p:spPr>
-        <p:style>
-          <a:lnRef idx="2">
-            <a:schemeClr val="accent1">
-              <a:shade val="50000"/>
-            </a:schemeClr>
-          </a:lnRef>
-          <a:fillRef idx="1">
-            <a:schemeClr val="accent1"/>
-          </a:fillRef>
-          <a:effectRef idx="0">
-            <a:schemeClr val="accent1"/>
-          </a:effectRef>
-          <a:fontRef idx="minor">
-            <a:schemeClr val="lt1"/>
-          </a:fontRef>
-        </p:style>
-        <p:txBody>
-          <a:bodyPr rtlCol="0" anchor="ctr"/>
-          <a:lstStyle/>
-          <a:p>
-            <a:pPr algn="ctr"/>
-            <a:r>
-              <a:rPr lang="en-US" sz="800" dirty="0">
-                <a:solidFill>
-                  <a:schemeClr val="bg1"/>
-                </a:solidFill>
-              </a:rPr>
-              <a:t>Task </a:t>
-            </a:r>
-            <a:r>
-              <a:rPr lang="en-US" sz="800" dirty="0" smtClean="0">
-                <a:solidFill>
-                  <a:schemeClr val="bg1"/>
-                </a:solidFill>
-              </a:rPr>
-              <a:t>#1: Finish the base game (PW)</a:t>
-            </a:r>
-            <a:endParaRPr lang="en-US" dirty="0"/>
-          </a:p>
-        </p:txBody>
-      </p:sp>
-      <p:sp>
-        <p:nvSpPr>
-          <p:cNvPr id="4" name="TextBox 3">
-            <a:extLst>
-              <a:ext uri="{FF2B5EF4-FFF2-40B4-BE49-F238E27FC236}">
-                <a16:creationId xmlns:a16="http://schemas.microsoft.com/office/drawing/2014/main" xmlns="" id="{77AFE952-47A5-42E2-A2EC-FF7ABEA49A89}"/>
-              </a:ext>
-            </a:extLst>
-          </p:cNvPr>
-          <p:cNvSpPr txBox="1"/>
-          <p:nvPr/>
-        </p:nvSpPr>
-        <p:spPr>
-          <a:xfrm>
-            <a:off x="4615529" y="0"/>
-            <a:ext cx="2960939" cy="954107"/>
+            <a:off x="4483282" y="0"/>
+            <a:ext cx="3225435" cy="954107"/>
           </a:xfrm>
           <a:prstGeom prst="rect">
             <a:avLst/>
@@ -3868,15 +3750,25 @@
             <a:pPr algn="ctr"/>
             <a:r>
               <a:rPr lang="en-US" sz="2800" dirty="0"/>
-              <a:t>Agile Assignment#:</a:t>
-            </a:r>
+              <a:t>Agile </a:t>
+            </a:r>
+            <a:r>
+              <a:rPr lang="en-US" sz="2800" dirty="0" smtClean="0"/>
+              <a:t>Assignment #3:</a:t>
+            </a:r>
+            <a:endParaRPr lang="en-US" sz="2800" dirty="0"/>
           </a:p>
           <a:p>
             <a:pPr algn="ctr"/>
             <a:r>
               <a:rPr lang="en-US" sz="2800" dirty="0"/>
-              <a:t>Agile Team #:</a:t>
-            </a:r>
+              <a:t>Agile Team </a:t>
+            </a:r>
+            <a:r>
+              <a:rPr lang="en-US" sz="2800" dirty="0" smtClean="0"/>
+              <a:t>#9:</a:t>
+            </a:r>
+            <a:endParaRPr lang="en-US" sz="2800" dirty="0"/>
           </a:p>
         </p:txBody>
       </p:sp>
@@ -4213,7 +4105,7 @@
                     <a:p>
                       <a:pPr algn="l" fontAlgn="ctr"/>
                       <a:r>
-                        <a:rPr lang="en-US" sz="800" u="none" strike="noStrike" dirty="0">
+                        <a:rPr lang="en-US" sz="800" u="none" strike="noStrike" dirty="0" smtClean="0">
                           <a:effectLst/>
                         </a:rPr>
                         <a:t>Dungeon Master</a:t>
@@ -4304,7 +4196,7 @@
           <p:nvPr>
             <p:extLst>
               <p:ext uri="{D42A27DB-BD31-4B8C-83A1-F6EECF244321}">
-                <p14:modId xmlns:p14="http://schemas.microsoft.com/office/powerpoint/2010/main" val="583375592"/>
+                <p14:modId xmlns:p14="http://schemas.microsoft.com/office/powerpoint/2010/main" val="2811145511"/>
               </p:ext>
             </p:extLst>
           </p:nvPr>
@@ -4366,13 +4258,6 @@
                         </a:rPr>
                         <a:t>2</a:t>
                       </a:r>
-                      <a:endParaRPr lang="en-US" sz="800" b="0" i="0" u="none" strike="noStrike" dirty="0">
-                        <a:solidFill>
-                          <a:srgbClr val="000000"/>
-                        </a:solidFill>
-                        <a:effectLst/>
-                        <a:latin typeface="Century Gothic" panose="020B0502020202020204" pitchFamily="34" charset="0"/>
-                      </a:endParaRPr>
                     </a:p>
                   </a:txBody>
                   <a:tcPr marL="76053" marR="5070" marT="5070" marB="0" anchor="ctr"/>
@@ -4420,8 +4305,25 @@
                           <a:effectLst/>
                           <a:latin typeface="Century Gothic" panose="020B0502020202020204" pitchFamily="34" charset="0"/>
                         </a:rPr>
-                        <a:t>scenario</a:t>
+                        <a:t>S</a:t>
                       </a:r>
+                      <a:r>
+                        <a:rPr lang="en-US" sz="800" b="0" i="0" u="none" strike="noStrike" dirty="0" smtClean="0">
+                          <a:solidFill>
+                            <a:srgbClr val="000000"/>
+                          </a:solidFill>
+                          <a:effectLst/>
+                          <a:latin typeface="Century Gothic" panose="020B0502020202020204" pitchFamily="34" charset="0"/>
+                        </a:rPr>
+                        <a:t>cenario</a:t>
+                      </a:r>
+                      <a:endParaRPr lang="en-US" sz="800" b="0" i="0" u="none" strike="noStrike" dirty="0">
+                        <a:solidFill>
+                          <a:srgbClr val="000000"/>
+                        </a:solidFill>
+                        <a:effectLst/>
+                        <a:latin typeface="Century Gothic" panose="020B0502020202020204" pitchFamily="34" charset="0"/>
+                      </a:endParaRPr>
                     </a:p>
                   </a:txBody>
                   <a:tcPr marL="76053" marR="5070" marT="5070" marB="0" anchor="ctr"/>
@@ -4485,7 +4387,7 @@
         </p:nvSpPr>
         <p:spPr>
           <a:xfrm>
-            <a:off x="9480291" y="1824872"/>
+            <a:off x="10362141" y="1814529"/>
             <a:ext cx="1093927" cy="499722"/>
           </a:xfrm>
           <a:prstGeom prst="rect">
@@ -4838,10 +4740,10 @@
       </p:sp>
       <p:sp>
         <p:nvSpPr>
-          <p:cNvPr id="2" name="Rectangle 1">
-            <a:extLst>
-              <a:ext uri="{FF2B5EF4-FFF2-40B4-BE49-F238E27FC236}">
-                <a16:creationId xmlns:a16="http://schemas.microsoft.com/office/drawing/2014/main" xmlns="" id="{5D259293-E6C8-47AE-BC2A-1303E5B6370B}"/>
+          <p:cNvPr id="24" name="Rectangle 23">
+            <a:extLst>
+              <a:ext uri="{FF2B5EF4-FFF2-40B4-BE49-F238E27FC236}">
+                <a16:creationId xmlns:a16="http://schemas.microsoft.com/office/drawing/2014/main" xmlns="" id="{B2FF60AC-91EF-4D69-ACB9-CC146BDC6526}"/>
               </a:ext>
             </a:extLst>
           </p:cNvPr>
@@ -4850,85 +4752,7 @@
         </p:nvSpPr>
         <p:spPr>
           <a:xfrm>
-            <a:off x="5192324" y="4033434"/>
-            <a:ext cx="1093927" cy="499722"/>
-          </a:xfrm>
-          <a:prstGeom prst="rect">
-            <a:avLst/>
-          </a:prstGeom>
-        </p:spPr>
-        <p:style>
-          <a:lnRef idx="2">
-            <a:schemeClr val="accent1">
-              <a:shade val="50000"/>
-            </a:schemeClr>
-          </a:lnRef>
-          <a:fillRef idx="1">
-            <a:schemeClr val="accent1"/>
-          </a:fillRef>
-          <a:effectRef idx="0">
-            <a:schemeClr val="accent1"/>
-          </a:effectRef>
-          <a:fontRef idx="minor">
-            <a:schemeClr val="lt1"/>
-          </a:fontRef>
-        </p:style>
-        <p:txBody>
-          <a:bodyPr rtlCol="0" anchor="ctr"/>
-          <a:lstStyle/>
-          <a:p>
-            <a:pPr algn="ctr"/>
-            <a:r>
-              <a:rPr lang="en-US" sz="800" dirty="0">
-                <a:solidFill>
-                  <a:schemeClr val="bg1"/>
-                </a:solidFill>
-              </a:rPr>
-              <a:t>Task </a:t>
-            </a:r>
-            <a:r>
-              <a:rPr lang="en-US" sz="800" dirty="0" smtClean="0">
-                <a:solidFill>
-                  <a:schemeClr val="bg1"/>
-                </a:solidFill>
-              </a:rPr>
-              <a:t>#5 </a:t>
-            </a:r>
-            <a:r>
-              <a:rPr lang="en-US" sz="800" dirty="0">
-                <a:solidFill>
-                  <a:schemeClr val="bg1"/>
-                </a:solidFill>
-              </a:rPr>
-              <a:t>implementing </a:t>
-            </a:r>
-            <a:r>
-              <a:rPr lang="en-US" sz="800" dirty="0" smtClean="0">
-                <a:solidFill>
-                  <a:schemeClr val="bg1"/>
-                </a:solidFill>
-              </a:rPr>
-              <a:t>minotaur (KL)</a:t>
-            </a:r>
-            <a:endParaRPr lang="en-US" dirty="0"/>
-          </a:p>
-        </p:txBody>
-      </p:sp>
-      <p:sp>
-        <p:nvSpPr>
-          <p:cNvPr id="24" name="Rectangle 23">
-            <a:extLst>
-              <a:ext uri="{FF2B5EF4-FFF2-40B4-BE49-F238E27FC236}">
-                <a16:creationId xmlns:a16="http://schemas.microsoft.com/office/drawing/2014/main" xmlns="" id="{B2FF60AC-91EF-4D69-ACB9-CC146BDC6526}"/>
-              </a:ext>
-            </a:extLst>
-          </p:cNvPr>
-          <p:cNvSpPr/>
-          <p:nvPr/>
-        </p:nvSpPr>
-        <p:spPr>
-          <a:xfrm>
-            <a:off x="6863054" y="1827371"/>
+            <a:off x="8657630" y="1764405"/>
             <a:ext cx="1093927" cy="499722"/>
           </a:xfrm>
           <a:prstGeom prst="rect">
@@ -5032,7 +4856,61 @@
                   <a:schemeClr val="bg1"/>
                 </a:solidFill>
               </a:rPr>
-              <a:t>#5: </a:t>
+              <a:t>#5: Make boss killable (KL)</a:t>
+            </a:r>
+            <a:endParaRPr lang="en-US" dirty="0"/>
+          </a:p>
+        </p:txBody>
+      </p:sp>
+      <p:sp>
+        <p:nvSpPr>
+          <p:cNvPr id="23" name="Rectangle 22">
+            <a:extLst>
+              <a:ext uri="{FF2B5EF4-FFF2-40B4-BE49-F238E27FC236}">
+                <a16:creationId xmlns:a16="http://schemas.microsoft.com/office/drawing/2014/main" xmlns="" id="{F0CB5917-D9C5-4F78-B41A-F70D3EFFCF26}"/>
+              </a:ext>
+            </a:extLst>
+          </p:cNvPr>
+          <p:cNvSpPr/>
+          <p:nvPr/>
+        </p:nvSpPr>
+        <p:spPr>
+          <a:xfrm>
+            <a:off x="8655051" y="3320315"/>
+            <a:ext cx="1093927" cy="499722"/>
+          </a:xfrm>
+          <a:prstGeom prst="rect">
+            <a:avLst/>
+          </a:prstGeom>
+        </p:spPr>
+        <p:style>
+          <a:lnRef idx="2">
+            <a:schemeClr val="accent1">
+              <a:shade val="50000"/>
+            </a:schemeClr>
+          </a:lnRef>
+          <a:fillRef idx="1">
+            <a:schemeClr val="accent1"/>
+          </a:fillRef>
+          <a:effectRef idx="0">
+            <a:schemeClr val="accent1"/>
+          </a:effectRef>
+          <a:fontRef idx="minor">
+            <a:schemeClr val="lt1"/>
+          </a:fontRef>
+        </p:style>
+        <p:txBody>
+          <a:bodyPr rtlCol="0" anchor="ctr"/>
+          <a:lstStyle/>
+          <a:p>
+            <a:pPr algn="ctr"/>
+            <a:r>
+              <a:rPr lang="en-US" sz="800" dirty="0">
+                <a:solidFill>
+                  <a:schemeClr val="bg1"/>
+                </a:solidFill>
+              </a:rPr>
+              <a:t>Task </a:t>
             </a:r>
             <a:r>
               <a:rPr lang="en-US" sz="800" dirty="0" smtClean="0">
@@ -5040,7 +4918,7 @@
                   <a:schemeClr val="bg1"/>
                 </a:solidFill>
               </a:rPr>
-              <a:t>Make boss killable (KL</a:t>
+              <a:t>#2: </a:t>
             </a:r>
             <a:r>
               <a:rPr lang="en-US" sz="800" dirty="0" smtClean="0">
@@ -5048,7 +4926,7 @@
                   <a:schemeClr val="bg1"/>
                 </a:solidFill>
               </a:rPr>
-              <a:t>)</a:t>
+              <a:t>Finish the base game (PW)</a:t>
             </a:r>
             <a:endParaRPr lang="en-US" dirty="0"/>
           </a:p>
@@ -5173,10 +5051,10 @@
       </p:sp>
       <p:sp>
         <p:nvSpPr>
-          <p:cNvPr id="21" name="Rectangle 20">
-            <a:extLst>
-              <a:ext uri="{FF2B5EF4-FFF2-40B4-BE49-F238E27FC236}">
-                <a16:creationId xmlns:a16="http://schemas.microsoft.com/office/drawing/2014/main" xmlns="" id="{B2FF60AC-91EF-4D69-ACB9-CC146BDC6526}"/>
+          <p:cNvPr id="23" name="Rectangle 22">
+            <a:extLst>
+              <a:ext uri="{FF2B5EF4-FFF2-40B4-BE49-F238E27FC236}">
+                <a16:creationId xmlns:a16="http://schemas.microsoft.com/office/drawing/2014/main" xmlns="" id="{F0CB5917-D9C5-4F78-B41A-F70D3EFFCF26}"/>
               </a:ext>
             </a:extLst>
           </p:cNvPr>
@@ -5185,7 +5063,7 @@
         </p:nvSpPr>
         <p:spPr>
           <a:xfrm>
-            <a:off x="6709480" y="3216286"/>
+            <a:off x="10284098" y="3083683"/>
             <a:ext cx="1093927" cy="499722"/>
           </a:xfrm>
           <a:prstGeom prst="rect">
@@ -5219,7 +5097,7 @@
                   <a:schemeClr val="bg1"/>
                 </a:solidFill>
               </a:rPr>
-              <a:t>Task #1: </a:t>
+              <a:t>Task #2: </a:t>
             </a:r>
             <a:r>
               <a:rPr lang="en-US" sz="800" dirty="0" smtClean="0">
@@ -5227,7 +5105,7 @@
                   <a:schemeClr val="bg1"/>
                 </a:solidFill>
               </a:rPr>
-              <a:t>finish base game(SM</a:t>
+              <a:t>Create </a:t>
             </a:r>
             <a:r>
               <a:rPr lang="en-US" sz="800" dirty="0" smtClean="0">
@@ -5235,7 +5113,15 @@
                   <a:schemeClr val="bg1"/>
                 </a:solidFill>
               </a:rPr>
-              <a:t>)</a:t>
+              <a:t>display blueprint </a:t>
+            </a:r>
+            <a:r>
+              <a:rPr lang="en-US" sz="800" dirty="0" smtClean="0">
+                <a:solidFill>
+                  <a:schemeClr val="bg1"/>
+                </a:solidFill>
+              </a:rPr>
+              <a:t>(SM)</a:t>
             </a:r>
             <a:endParaRPr lang="en-US" dirty="0"/>
           </a:p>
@@ -5243,10 +5129,10 @@
       </p:sp>
       <p:sp>
         <p:nvSpPr>
-          <p:cNvPr id="23" name="Rectangle 22">
-            <a:extLst>
-              <a:ext uri="{FF2B5EF4-FFF2-40B4-BE49-F238E27FC236}">
-                <a16:creationId xmlns:a16="http://schemas.microsoft.com/office/drawing/2014/main" xmlns="" id="{F0CB5917-D9C5-4F78-B41A-F70D3EFFCF26}"/>
+          <p:cNvPr id="25" name="Rectangle 24">
+            <a:extLst>
+              <a:ext uri="{FF2B5EF4-FFF2-40B4-BE49-F238E27FC236}">
+                <a16:creationId xmlns:a16="http://schemas.microsoft.com/office/drawing/2014/main" xmlns="" id="{A26B1B57-39F1-4784-BB8C-D498B044853A}"/>
               </a:ext>
             </a:extLst>
           </p:cNvPr>
@@ -5255,7 +5141,7 @@
         </p:nvSpPr>
         <p:spPr>
           <a:xfrm>
-            <a:off x="3884742" y="3933367"/>
+            <a:off x="3935010" y="3892011"/>
             <a:ext cx="1093927" cy="499722"/>
           </a:xfrm>
           <a:prstGeom prst="rect">
@@ -5289,76 +5175,6 @@
                   <a:schemeClr val="bg1"/>
                 </a:solidFill>
               </a:rPr>
-              <a:t>Task #2: </a:t>
-            </a:r>
-            <a:r>
-              <a:rPr lang="en-US" sz="800" dirty="0" smtClean="0">
-                <a:solidFill>
-                  <a:schemeClr val="bg1"/>
-                </a:solidFill>
-              </a:rPr>
-              <a:t>Create display (SM</a:t>
-            </a:r>
-            <a:r>
-              <a:rPr lang="en-US" sz="800" dirty="0" smtClean="0">
-                <a:solidFill>
-                  <a:schemeClr val="bg1"/>
-                </a:solidFill>
-              </a:rPr>
-              <a:t>)</a:t>
-            </a:r>
-            <a:endParaRPr lang="en-US" dirty="0"/>
-          </a:p>
-        </p:txBody>
-      </p:sp>
-      <p:sp>
-        <p:nvSpPr>
-          <p:cNvPr id="25" name="Rectangle 24">
-            <a:extLst>
-              <a:ext uri="{FF2B5EF4-FFF2-40B4-BE49-F238E27FC236}">
-                <a16:creationId xmlns:a16="http://schemas.microsoft.com/office/drawing/2014/main" xmlns="" id="{A26B1B57-39F1-4784-BB8C-D498B044853A}"/>
-              </a:ext>
-            </a:extLst>
-          </p:cNvPr>
-          <p:cNvSpPr/>
-          <p:nvPr/>
-        </p:nvSpPr>
-        <p:spPr>
-          <a:xfrm>
-            <a:off x="5210662" y="3225006"/>
-            <a:ext cx="1093927" cy="499722"/>
-          </a:xfrm>
-          <a:prstGeom prst="rect">
-            <a:avLst/>
-          </a:prstGeom>
-        </p:spPr>
-        <p:style>
-          <a:lnRef idx="2">
-            <a:schemeClr val="accent1">
-              <a:shade val="50000"/>
-            </a:schemeClr>
-          </a:lnRef>
-          <a:fillRef idx="1">
-            <a:schemeClr val="accent1"/>
-          </a:fillRef>
-          <a:effectRef idx="0">
-            <a:schemeClr val="accent1"/>
-          </a:effectRef>
-          <a:fontRef idx="minor">
-            <a:schemeClr val="lt1"/>
-          </a:fontRef>
-        </p:style>
-        <p:txBody>
-          <a:bodyPr rtlCol="0" anchor="ctr"/>
-          <a:lstStyle/>
-          <a:p>
-            <a:pPr algn="ctr"/>
-            <a:r>
-              <a:rPr lang="en-US" sz="800" dirty="0">
-                <a:solidFill>
-                  <a:schemeClr val="bg1"/>
-                </a:solidFill>
-              </a:rPr>
               <a:t>Task </a:t>
             </a:r>
             <a:r>
@@ -5391,15 +5207,7 @@
                   <a:schemeClr val="bg1"/>
                 </a:solidFill>
               </a:rPr>
-              <a:t>Track and display kill count(SM</a:t>
-            </a:r>
-            <a:r>
-              <a:rPr lang="en-US" sz="800" dirty="0" smtClean="0">
-                <a:solidFill>
-                  <a:schemeClr val="bg1"/>
-                </a:solidFill>
-              </a:rPr>
-              <a:t>)</a:t>
+              <a:t>Track and display kill count(SM)</a:t>
             </a:r>
             <a:endParaRPr lang="en-US" dirty="0"/>
           </a:p>
@@ -5419,8 +5227,8 @@
         </p:nvSpPr>
         <p:spPr>
           <a:xfrm>
-            <a:off x="4615529" y="0"/>
-            <a:ext cx="2960939" cy="954107"/>
+            <a:off x="4483282" y="0"/>
+            <a:ext cx="3225435" cy="954107"/>
           </a:xfrm>
           <a:prstGeom prst="rect">
             <a:avLst/>
@@ -5436,15 +5244,25 @@
             <a:pPr algn="ctr"/>
             <a:r>
               <a:rPr lang="en-US" sz="2800" dirty="0"/>
-              <a:t>Agile Assignment#:</a:t>
-            </a:r>
+              <a:t>Agile </a:t>
+            </a:r>
+            <a:r>
+              <a:rPr lang="en-US" sz="2800" dirty="0" smtClean="0"/>
+              <a:t>Assignment #3:</a:t>
+            </a:r>
+            <a:endParaRPr lang="en-US" sz="2800" dirty="0"/>
           </a:p>
           <a:p>
             <a:pPr algn="ctr"/>
             <a:r>
               <a:rPr lang="en-US" sz="2800" dirty="0"/>
-              <a:t>Agile Team #:</a:t>
-            </a:r>
+              <a:t>Agile Team </a:t>
+            </a:r>
+            <a:r>
+              <a:rPr lang="en-US" sz="2800" dirty="0" smtClean="0"/>
+              <a:t>#9:</a:t>
+            </a:r>
+            <a:endParaRPr lang="en-US" sz="2800" dirty="0"/>
           </a:p>
         </p:txBody>
       </p:sp>
@@ -5888,7 +5706,7 @@
           <p:nvPr>
             <p:extLst>
               <p:ext uri="{D42A27DB-BD31-4B8C-83A1-F6EECF244321}">
-                <p14:modId xmlns:p14="http://schemas.microsoft.com/office/powerpoint/2010/main" val="1591528802"/>
+                <p14:modId xmlns:p14="http://schemas.microsoft.com/office/powerpoint/2010/main" val="853730778"/>
               </p:ext>
             </p:extLst>
           </p:nvPr>
@@ -5994,7 +5812,7 @@
                         <a:rPr lang="en-US" sz="800" u="none" strike="noStrike" dirty="0" smtClean="0">
                           <a:effectLst/>
                         </a:rPr>
-                        <a:t>flamethrower</a:t>
+                        <a:t>Flamethrower</a:t>
                       </a:r>
                       <a:endParaRPr lang="en-US" sz="800" b="0" i="0" u="none" strike="noStrike" dirty="0">
                         <a:solidFill>
@@ -6066,7 +5884,7 @@
         </p:nvSpPr>
         <p:spPr>
           <a:xfrm>
-            <a:off x="3875137" y="1934229"/>
+            <a:off x="10284098" y="1900350"/>
             <a:ext cx="1093927" cy="499722"/>
           </a:xfrm>
           <a:prstGeom prst="rect">
@@ -6124,23 +5942,7 @@
                   <a:schemeClr val="bg1"/>
                 </a:solidFill>
               </a:rPr>
-              <a:t>(</a:t>
-            </a:r>
-            <a:r>
-              <a:rPr lang="en-US" sz="800" dirty="0" smtClean="0">
-                <a:solidFill>
-                  <a:schemeClr val="bg1"/>
-                </a:solidFill>
-              </a:rPr>
-              <a:t>AQ</a:t>
-            </a:r>
-            <a:r>
-              <a:rPr lang="en-US" sz="800" dirty="0" smtClean="0">
-                <a:solidFill>
-                  <a:schemeClr val="bg1"/>
-                </a:solidFill>
-              </a:rPr>
-              <a:t>)</a:t>
+              <a:t>(AQ)</a:t>
             </a:r>
             <a:endParaRPr lang="en-US" dirty="0"/>
           </a:p>
@@ -6160,7 +5962,7 @@
         </p:nvSpPr>
         <p:spPr>
           <a:xfrm>
-            <a:off x="5246570" y="1868258"/>
+            <a:off x="6794018" y="1895122"/>
             <a:ext cx="1093927" cy="499722"/>
           </a:xfrm>
           <a:prstGeom prst="rect">
@@ -6202,39 +6004,7 @@
                   <a:schemeClr val="bg1"/>
                 </a:solidFill>
               </a:rPr>
-              <a:t>3 Implement </a:t>
-            </a:r>
-            <a:r>
-              <a:rPr lang="en-US" sz="800" dirty="0" smtClean="0">
-                <a:solidFill>
-                  <a:schemeClr val="bg1"/>
-                </a:solidFill>
-              </a:rPr>
-              <a:t>secondary fire mode into tank</a:t>
-            </a:r>
-            <a:r>
-              <a:rPr lang="en-US" sz="800" dirty="0" smtClean="0">
-                <a:solidFill>
-                  <a:schemeClr val="bg1"/>
-                </a:solidFill>
-              </a:rPr>
-              <a:t> (</a:t>
-            </a:r>
-            <a:r>
-              <a:rPr lang="en-US" sz="800" dirty="0" smtClean="0">
-                <a:solidFill>
-                  <a:schemeClr val="bg1"/>
-                </a:solidFill>
-              </a:rPr>
-              <a:t>AQ</a:t>
-            </a:r>
-            <a:r>
-              <a:rPr lang="en-US" sz="800" dirty="0" smtClean="0">
-                <a:solidFill>
-                  <a:schemeClr val="bg1"/>
-                </a:solidFill>
-              </a:rPr>
-              <a:t>)</a:t>
+              <a:t>3 Implement secondary fire mode into tank (AQ)</a:t>
             </a:r>
             <a:endParaRPr lang="en-US" dirty="0"/>
           </a:p>
@@ -6483,15 +6253,7 @@
                   <a:schemeClr val="bg1"/>
                 </a:solidFill>
               </a:rPr>
-              <a:t>Track and display accuracy </a:t>
-            </a:r>
-            <a:r>
-              <a:rPr lang="en-US" sz="800" dirty="0" smtClean="0">
-                <a:solidFill>
-                  <a:schemeClr val="bg1"/>
-                </a:solidFill>
-              </a:rPr>
-              <a:t>(SM)</a:t>
+              <a:t>Track and display accuracy (SM)</a:t>
             </a:r>
             <a:endParaRPr lang="en-US" dirty="0"/>
           </a:p>
@@ -6511,7 +6273,7 @@
         </p:nvSpPr>
         <p:spPr>
           <a:xfrm>
-            <a:off x="6747837" y="1969090"/>
+            <a:off x="8709297" y="1895122"/>
             <a:ext cx="1093927" cy="499722"/>
           </a:xfrm>
           <a:prstGeom prst="rect">
@@ -6573,7 +6335,7 @@
         </p:nvSpPr>
         <p:spPr>
           <a:xfrm>
-            <a:off x="3856082" y="2508694"/>
+            <a:off x="3935010" y="1916701"/>
             <a:ext cx="1093927" cy="499722"/>
           </a:xfrm>
           <a:prstGeom prst="rect">
@@ -6616,6 +6378,68 @@
                 </a:solidFill>
               </a:rPr>
               <a:t>#4: Testing (AQ)</a:t>
+            </a:r>
+            <a:endParaRPr lang="en-US" dirty="0"/>
+          </a:p>
+        </p:txBody>
+      </p:sp>
+      <p:sp>
+        <p:nvSpPr>
+          <p:cNvPr id="21" name="Rectangle 20">
+            <a:extLst>
+              <a:ext uri="{FF2B5EF4-FFF2-40B4-BE49-F238E27FC236}">
+                <a16:creationId xmlns:a16="http://schemas.microsoft.com/office/drawing/2014/main" xmlns="" id="{B2FF60AC-91EF-4D69-ACB9-CC146BDC6526}"/>
+              </a:ext>
+            </a:extLst>
+          </p:cNvPr>
+          <p:cNvSpPr/>
+          <p:nvPr/>
+        </p:nvSpPr>
+        <p:spPr>
+          <a:xfrm>
+            <a:off x="8673389" y="3095715"/>
+            <a:ext cx="1093927" cy="499722"/>
+          </a:xfrm>
+          <a:prstGeom prst="rect">
+            <a:avLst/>
+          </a:prstGeom>
+        </p:spPr>
+        <p:style>
+          <a:lnRef idx="2">
+            <a:schemeClr val="accent1">
+              <a:shade val="50000"/>
+            </a:schemeClr>
+          </a:lnRef>
+          <a:fillRef idx="1">
+            <a:schemeClr val="accent1"/>
+          </a:fillRef>
+          <a:effectRef idx="0">
+            <a:schemeClr val="accent1"/>
+          </a:effectRef>
+          <a:fontRef idx="minor">
+            <a:schemeClr val="lt1"/>
+          </a:fontRef>
+        </p:style>
+        <p:txBody>
+          <a:bodyPr rtlCol="0" anchor="ctr"/>
+          <a:lstStyle/>
+          <a:p>
+            <a:pPr algn="ctr"/>
+            <a:r>
+              <a:rPr lang="en-US" sz="800" dirty="0">
+                <a:solidFill>
+                  <a:schemeClr val="bg1"/>
+                </a:solidFill>
+              </a:rPr>
+              <a:t>Task #1: </a:t>
+            </a:r>
+            <a:r>
+              <a:rPr lang="en-US" sz="800" dirty="0" smtClean="0">
+                <a:solidFill>
+                  <a:schemeClr val="bg1"/>
+                </a:solidFill>
+              </a:rPr>
+              <a:t>finish base game(SM)</a:t>
             </a:r>
             <a:endParaRPr lang="en-US" dirty="0"/>
           </a:p>
